--- a/ppt 16-9/1318.耶和华是我的.pptx
+++ b/ppt 16-9/1318.耶和华是我的.pptx
@@ -5,7 +5,7 @@
     <p:sldMasterId id="2147483648" r:id="rId1"/>
   </p:sldMasterIdLst>
   <p:sldIdLst>
-    <p:sldId id="869" r:id="rId2"/>
+    <p:sldId id="870" r:id="rId2"/>
   </p:sldIdLst>
   <p:sldSz cx="12192000" cy="6858000"/>
   <p:notesSz cx="6858000" cy="9144000"/>
@@ -129,7 +129,7 @@
           <p:cNvPr id="2" name="标题 1">
             <a:extLst>
               <a:ext uri="{FF2B5EF4-FFF2-40B4-BE49-F238E27FC236}">
-                <a16:creationId xmlns:a16="http://schemas.microsoft.com/office/drawing/2014/main" id="{B89AFFD5-9418-B54F-0E3C-37C0868DEE25}"/>
+                <a16:creationId xmlns:a16="http://schemas.microsoft.com/office/drawing/2014/main" id="{C758A23E-2EB1-A296-224F-6AC37D882647}"/>
               </a:ext>
             </a:extLst>
           </p:cNvPr>
@@ -166,7 +166,7 @@
           <p:cNvPr id="3" name="副标题 2">
             <a:extLst>
               <a:ext uri="{FF2B5EF4-FFF2-40B4-BE49-F238E27FC236}">
-                <a16:creationId xmlns:a16="http://schemas.microsoft.com/office/drawing/2014/main" id="{B468327A-593C-6588-C5FF-6746EE1148CA}"/>
+                <a16:creationId xmlns:a16="http://schemas.microsoft.com/office/drawing/2014/main" id="{2C155D08-7867-0D94-E254-CADA6671D986}"/>
               </a:ext>
             </a:extLst>
           </p:cNvPr>
@@ -236,7 +236,7 @@
           <p:cNvPr id="4" name="日期占位符 3">
             <a:extLst>
               <a:ext uri="{FF2B5EF4-FFF2-40B4-BE49-F238E27FC236}">
-                <a16:creationId xmlns:a16="http://schemas.microsoft.com/office/drawing/2014/main" id="{282F5EF9-CA8D-27BE-51E0-0E6978C48CB3}"/>
+                <a16:creationId xmlns:a16="http://schemas.microsoft.com/office/drawing/2014/main" id="{2713AF96-D6FE-367E-A0E4-3C08023214ED}"/>
               </a:ext>
             </a:extLst>
           </p:cNvPr>
@@ -252,7 +252,7 @@
           <a:bodyPr/>
           <a:lstStyle/>
           <a:p>
-            <a:fld id="{97F78749-E85A-4221-9327-1B541F790470}" type="datetimeFigureOut">
+            <a:fld id="{B09426A2-3294-445E-B40B-9E708C39EEA0}" type="datetimeFigureOut">
               <a:rPr lang="zh-CN" altLang="en-US" smtClean="0"/>
               <a:t>2024/3/10</a:t>
             </a:fld>
@@ -265,7 +265,7 @@
           <p:cNvPr id="5" name="页脚占位符 4">
             <a:extLst>
               <a:ext uri="{FF2B5EF4-FFF2-40B4-BE49-F238E27FC236}">
-                <a16:creationId xmlns:a16="http://schemas.microsoft.com/office/drawing/2014/main" id="{34BAEDB4-AFD9-2203-1E37-2C7CD4D4ACE7}"/>
+                <a16:creationId xmlns:a16="http://schemas.microsoft.com/office/drawing/2014/main" id="{C6C5D6D0-ABB3-BB4E-3DDA-D3BDDD818840}"/>
               </a:ext>
             </a:extLst>
           </p:cNvPr>
@@ -290,7 +290,7 @@
           <p:cNvPr id="6" name="灯片编号占位符 5">
             <a:extLst>
               <a:ext uri="{FF2B5EF4-FFF2-40B4-BE49-F238E27FC236}">
-                <a16:creationId xmlns:a16="http://schemas.microsoft.com/office/drawing/2014/main" id="{2B86B8A1-2DDE-9339-3E9E-BFFF2C712363}"/>
+                <a16:creationId xmlns:a16="http://schemas.microsoft.com/office/drawing/2014/main" id="{B50A712D-FE9E-F998-436B-C1F230CAA72A}"/>
               </a:ext>
             </a:extLst>
           </p:cNvPr>
@@ -306,7 +306,7 @@
           <a:bodyPr/>
           <a:lstStyle/>
           <a:p>
-            <a:fld id="{30DA0C32-29EA-44DC-A30B-E1117A06A9E2}" type="slidenum">
+            <a:fld id="{AF60A71A-EF65-40BB-BEE8-FD38D41B1FA8}" type="slidenum">
               <a:rPr lang="zh-CN" altLang="en-US" smtClean="0"/>
               <a:t>‹#›</a:t>
             </a:fld>
@@ -317,7 +317,7 @@
     </p:spTree>
     <p:extLst>
       <p:ext uri="{BB962C8B-B14F-4D97-AF65-F5344CB8AC3E}">
-        <p14:creationId xmlns:p14="http://schemas.microsoft.com/office/powerpoint/2010/main" val="1254582431"/>
+        <p14:creationId xmlns:p14="http://schemas.microsoft.com/office/powerpoint/2010/main" val="4227439641"/>
       </p:ext>
     </p:extLst>
   </p:cSld>
@@ -349,7 +349,7 @@
           <p:cNvPr id="2" name="标题 1">
             <a:extLst>
               <a:ext uri="{FF2B5EF4-FFF2-40B4-BE49-F238E27FC236}">
-                <a16:creationId xmlns:a16="http://schemas.microsoft.com/office/drawing/2014/main" id="{634B181F-5F57-0CB0-9D70-3E372834466A}"/>
+                <a16:creationId xmlns:a16="http://schemas.microsoft.com/office/drawing/2014/main" id="{ADA767B7-2AA1-12D5-BBA1-5E411F3B76D6}"/>
               </a:ext>
             </a:extLst>
           </p:cNvPr>
@@ -377,7 +377,7 @@
           <p:cNvPr id="3" name="竖排文字占位符 2">
             <a:extLst>
               <a:ext uri="{FF2B5EF4-FFF2-40B4-BE49-F238E27FC236}">
-                <a16:creationId xmlns:a16="http://schemas.microsoft.com/office/drawing/2014/main" id="{78822A99-FABE-111D-438D-EBFCAC385046}"/>
+                <a16:creationId xmlns:a16="http://schemas.microsoft.com/office/drawing/2014/main" id="{3ABEE259-7983-0F84-2552-11136E5A49B8}"/>
               </a:ext>
             </a:extLst>
           </p:cNvPr>
@@ -434,7 +434,7 @@
           <p:cNvPr id="4" name="日期占位符 3">
             <a:extLst>
               <a:ext uri="{FF2B5EF4-FFF2-40B4-BE49-F238E27FC236}">
-                <a16:creationId xmlns:a16="http://schemas.microsoft.com/office/drawing/2014/main" id="{AE49C655-45A5-4CF7-4CB0-C160650D5BC8}"/>
+                <a16:creationId xmlns:a16="http://schemas.microsoft.com/office/drawing/2014/main" id="{87A602D8-18B7-D587-8D56-8C1509E27512}"/>
               </a:ext>
             </a:extLst>
           </p:cNvPr>
@@ -450,7 +450,7 @@
           <a:bodyPr/>
           <a:lstStyle/>
           <a:p>
-            <a:fld id="{97F78749-E85A-4221-9327-1B541F790470}" type="datetimeFigureOut">
+            <a:fld id="{B09426A2-3294-445E-B40B-9E708C39EEA0}" type="datetimeFigureOut">
               <a:rPr lang="zh-CN" altLang="en-US" smtClean="0"/>
               <a:t>2024/3/10</a:t>
             </a:fld>
@@ -463,7 +463,7 @@
           <p:cNvPr id="5" name="页脚占位符 4">
             <a:extLst>
               <a:ext uri="{FF2B5EF4-FFF2-40B4-BE49-F238E27FC236}">
-                <a16:creationId xmlns:a16="http://schemas.microsoft.com/office/drawing/2014/main" id="{3DE3DCC6-D78C-584C-59AB-BFEFCC718033}"/>
+                <a16:creationId xmlns:a16="http://schemas.microsoft.com/office/drawing/2014/main" id="{7A4FCE54-4DFF-E458-2A1F-95930FE460AF}"/>
               </a:ext>
             </a:extLst>
           </p:cNvPr>
@@ -488,7 +488,7 @@
           <p:cNvPr id="6" name="灯片编号占位符 5">
             <a:extLst>
               <a:ext uri="{FF2B5EF4-FFF2-40B4-BE49-F238E27FC236}">
-                <a16:creationId xmlns:a16="http://schemas.microsoft.com/office/drawing/2014/main" id="{660E0BB9-C174-EFBF-6070-BA964A9108D9}"/>
+                <a16:creationId xmlns:a16="http://schemas.microsoft.com/office/drawing/2014/main" id="{6F1CFEF1-D4FE-3353-37D4-6B25FC66597E}"/>
               </a:ext>
             </a:extLst>
           </p:cNvPr>
@@ -504,7 +504,7 @@
           <a:bodyPr/>
           <a:lstStyle/>
           <a:p>
-            <a:fld id="{30DA0C32-29EA-44DC-A30B-E1117A06A9E2}" type="slidenum">
+            <a:fld id="{AF60A71A-EF65-40BB-BEE8-FD38D41B1FA8}" type="slidenum">
               <a:rPr lang="zh-CN" altLang="en-US" smtClean="0"/>
               <a:t>‹#›</a:t>
             </a:fld>
@@ -515,7 +515,7 @@
     </p:spTree>
     <p:extLst>
       <p:ext uri="{BB962C8B-B14F-4D97-AF65-F5344CB8AC3E}">
-        <p14:creationId xmlns:p14="http://schemas.microsoft.com/office/powerpoint/2010/main" val="3171831726"/>
+        <p14:creationId xmlns:p14="http://schemas.microsoft.com/office/powerpoint/2010/main" val="1950404662"/>
       </p:ext>
     </p:extLst>
   </p:cSld>
@@ -547,7 +547,7 @@
           <p:cNvPr id="2" name="竖排标题 1">
             <a:extLst>
               <a:ext uri="{FF2B5EF4-FFF2-40B4-BE49-F238E27FC236}">
-                <a16:creationId xmlns:a16="http://schemas.microsoft.com/office/drawing/2014/main" id="{03B5761A-EACF-BF8E-EA72-D26ED7444C33}"/>
+                <a16:creationId xmlns:a16="http://schemas.microsoft.com/office/drawing/2014/main" id="{6AD7DFDA-AF4C-3E38-0AF6-C444905D8AB7}"/>
               </a:ext>
             </a:extLst>
           </p:cNvPr>
@@ -580,7 +580,7 @@
           <p:cNvPr id="3" name="竖排文字占位符 2">
             <a:extLst>
               <a:ext uri="{FF2B5EF4-FFF2-40B4-BE49-F238E27FC236}">
-                <a16:creationId xmlns:a16="http://schemas.microsoft.com/office/drawing/2014/main" id="{00B4BD92-DB84-B43A-1704-3D3D7C6359C2}"/>
+                <a16:creationId xmlns:a16="http://schemas.microsoft.com/office/drawing/2014/main" id="{14C6BE87-06D4-EA87-1B0C-A45728C331DB}"/>
               </a:ext>
             </a:extLst>
           </p:cNvPr>
@@ -642,7 +642,7 @@
           <p:cNvPr id="4" name="日期占位符 3">
             <a:extLst>
               <a:ext uri="{FF2B5EF4-FFF2-40B4-BE49-F238E27FC236}">
-                <a16:creationId xmlns:a16="http://schemas.microsoft.com/office/drawing/2014/main" id="{EE21A0A6-34F1-832B-9E44-85FAB0EA4DD0}"/>
+                <a16:creationId xmlns:a16="http://schemas.microsoft.com/office/drawing/2014/main" id="{F2B419D6-444D-1FFB-4EB5-C79E57CD2481}"/>
               </a:ext>
             </a:extLst>
           </p:cNvPr>
@@ -658,7 +658,7 @@
           <a:bodyPr/>
           <a:lstStyle/>
           <a:p>
-            <a:fld id="{97F78749-E85A-4221-9327-1B541F790470}" type="datetimeFigureOut">
+            <a:fld id="{B09426A2-3294-445E-B40B-9E708C39EEA0}" type="datetimeFigureOut">
               <a:rPr lang="zh-CN" altLang="en-US" smtClean="0"/>
               <a:t>2024/3/10</a:t>
             </a:fld>
@@ -671,7 +671,7 @@
           <p:cNvPr id="5" name="页脚占位符 4">
             <a:extLst>
               <a:ext uri="{FF2B5EF4-FFF2-40B4-BE49-F238E27FC236}">
-                <a16:creationId xmlns:a16="http://schemas.microsoft.com/office/drawing/2014/main" id="{01DF5B3D-50E3-09C9-CE13-D526490DFEE2}"/>
+                <a16:creationId xmlns:a16="http://schemas.microsoft.com/office/drawing/2014/main" id="{4BABBBDA-30A3-DE11-21C8-C30D6DB82B1D}"/>
               </a:ext>
             </a:extLst>
           </p:cNvPr>
@@ -696,7 +696,7 @@
           <p:cNvPr id="6" name="灯片编号占位符 5">
             <a:extLst>
               <a:ext uri="{FF2B5EF4-FFF2-40B4-BE49-F238E27FC236}">
-                <a16:creationId xmlns:a16="http://schemas.microsoft.com/office/drawing/2014/main" id="{97C676A0-1130-83AB-F535-60AF13A64D74}"/>
+                <a16:creationId xmlns:a16="http://schemas.microsoft.com/office/drawing/2014/main" id="{99190D9C-AFAD-6823-1FE6-E1C34275FC8C}"/>
               </a:ext>
             </a:extLst>
           </p:cNvPr>
@@ -712,7 +712,7 @@
           <a:bodyPr/>
           <a:lstStyle/>
           <a:p>
-            <a:fld id="{30DA0C32-29EA-44DC-A30B-E1117A06A9E2}" type="slidenum">
+            <a:fld id="{AF60A71A-EF65-40BB-BEE8-FD38D41B1FA8}" type="slidenum">
               <a:rPr lang="zh-CN" altLang="en-US" smtClean="0"/>
               <a:t>‹#›</a:t>
             </a:fld>
@@ -723,7 +723,7 @@
     </p:spTree>
     <p:extLst>
       <p:ext uri="{BB962C8B-B14F-4D97-AF65-F5344CB8AC3E}">
-        <p14:creationId xmlns:p14="http://schemas.microsoft.com/office/powerpoint/2010/main" val="822421543"/>
+        <p14:creationId xmlns:p14="http://schemas.microsoft.com/office/powerpoint/2010/main" val="2170165218"/>
       </p:ext>
     </p:extLst>
   </p:cSld>
@@ -755,7 +755,7 @@
           <p:cNvPr id="2" name="标题 1">
             <a:extLst>
               <a:ext uri="{FF2B5EF4-FFF2-40B4-BE49-F238E27FC236}">
-                <a16:creationId xmlns:a16="http://schemas.microsoft.com/office/drawing/2014/main" id="{1D01E440-DA8E-D4D1-2A30-4AFC8312A215}"/>
+                <a16:creationId xmlns:a16="http://schemas.microsoft.com/office/drawing/2014/main" id="{DFE49672-0E43-6D18-744E-2EF946570465}"/>
               </a:ext>
             </a:extLst>
           </p:cNvPr>
@@ -783,7 +783,7 @@
           <p:cNvPr id="3" name="内容占位符 2">
             <a:extLst>
               <a:ext uri="{FF2B5EF4-FFF2-40B4-BE49-F238E27FC236}">
-                <a16:creationId xmlns:a16="http://schemas.microsoft.com/office/drawing/2014/main" id="{7B362FA8-4717-6F4D-4159-EC321221A969}"/>
+                <a16:creationId xmlns:a16="http://schemas.microsoft.com/office/drawing/2014/main" id="{0DCAD33E-6ED2-57F6-E2D2-9ABCD08671B1}"/>
               </a:ext>
             </a:extLst>
           </p:cNvPr>
@@ -840,7 +840,7 @@
           <p:cNvPr id="4" name="日期占位符 3">
             <a:extLst>
               <a:ext uri="{FF2B5EF4-FFF2-40B4-BE49-F238E27FC236}">
-                <a16:creationId xmlns:a16="http://schemas.microsoft.com/office/drawing/2014/main" id="{AFA5D91D-9037-4188-B394-926591E0ABCB}"/>
+                <a16:creationId xmlns:a16="http://schemas.microsoft.com/office/drawing/2014/main" id="{0D547D32-00F8-8A4F-D56C-C5E4AC227BDC}"/>
               </a:ext>
             </a:extLst>
           </p:cNvPr>
@@ -856,7 +856,7 @@
           <a:bodyPr/>
           <a:lstStyle/>
           <a:p>
-            <a:fld id="{97F78749-E85A-4221-9327-1B541F790470}" type="datetimeFigureOut">
+            <a:fld id="{B09426A2-3294-445E-B40B-9E708C39EEA0}" type="datetimeFigureOut">
               <a:rPr lang="zh-CN" altLang="en-US" smtClean="0"/>
               <a:t>2024/3/10</a:t>
             </a:fld>
@@ -869,7 +869,7 @@
           <p:cNvPr id="5" name="页脚占位符 4">
             <a:extLst>
               <a:ext uri="{FF2B5EF4-FFF2-40B4-BE49-F238E27FC236}">
-                <a16:creationId xmlns:a16="http://schemas.microsoft.com/office/drawing/2014/main" id="{082298F3-8811-75C5-00E6-9CF37FC4CDF2}"/>
+                <a16:creationId xmlns:a16="http://schemas.microsoft.com/office/drawing/2014/main" id="{7B0B92A6-4E59-8CE0-BF4F-6AA40D884CC6}"/>
               </a:ext>
             </a:extLst>
           </p:cNvPr>
@@ -894,7 +894,7 @@
           <p:cNvPr id="6" name="灯片编号占位符 5">
             <a:extLst>
               <a:ext uri="{FF2B5EF4-FFF2-40B4-BE49-F238E27FC236}">
-                <a16:creationId xmlns:a16="http://schemas.microsoft.com/office/drawing/2014/main" id="{74E253BF-CA16-CAEB-030B-41A1F42AF1D6}"/>
+                <a16:creationId xmlns:a16="http://schemas.microsoft.com/office/drawing/2014/main" id="{1746B5CE-4ECA-2638-E51E-92B0597F79C4}"/>
               </a:ext>
             </a:extLst>
           </p:cNvPr>
@@ -910,7 +910,7 @@
           <a:bodyPr/>
           <a:lstStyle/>
           <a:p>
-            <a:fld id="{30DA0C32-29EA-44DC-A30B-E1117A06A9E2}" type="slidenum">
+            <a:fld id="{AF60A71A-EF65-40BB-BEE8-FD38D41B1FA8}" type="slidenum">
               <a:rPr lang="zh-CN" altLang="en-US" smtClean="0"/>
               <a:t>‹#›</a:t>
             </a:fld>
@@ -921,7 +921,7 @@
     </p:spTree>
     <p:extLst>
       <p:ext uri="{BB962C8B-B14F-4D97-AF65-F5344CB8AC3E}">
-        <p14:creationId xmlns:p14="http://schemas.microsoft.com/office/powerpoint/2010/main" val="3813125805"/>
+        <p14:creationId xmlns:p14="http://schemas.microsoft.com/office/powerpoint/2010/main" val="2122610273"/>
       </p:ext>
     </p:extLst>
   </p:cSld>
@@ -953,7 +953,7 @@
           <p:cNvPr id="2" name="标题 1">
             <a:extLst>
               <a:ext uri="{FF2B5EF4-FFF2-40B4-BE49-F238E27FC236}">
-                <a16:creationId xmlns:a16="http://schemas.microsoft.com/office/drawing/2014/main" id="{33C8571E-6EB0-C642-3C63-A729497EBB80}"/>
+                <a16:creationId xmlns:a16="http://schemas.microsoft.com/office/drawing/2014/main" id="{14258DB7-FEF8-3E02-3E41-43AEEDDAADF2}"/>
               </a:ext>
             </a:extLst>
           </p:cNvPr>
@@ -990,7 +990,7 @@
           <p:cNvPr id="3" name="文本占位符 2">
             <a:extLst>
               <a:ext uri="{FF2B5EF4-FFF2-40B4-BE49-F238E27FC236}">
-                <a16:creationId xmlns:a16="http://schemas.microsoft.com/office/drawing/2014/main" id="{7B17909F-0152-086A-54FB-402AD0E2DB64}"/>
+                <a16:creationId xmlns:a16="http://schemas.microsoft.com/office/drawing/2014/main" id="{DB7ED4D6-C618-6A5C-8355-18A00FA05ADF}"/>
               </a:ext>
             </a:extLst>
           </p:cNvPr>
@@ -1115,7 +1115,7 @@
           <p:cNvPr id="4" name="日期占位符 3">
             <a:extLst>
               <a:ext uri="{FF2B5EF4-FFF2-40B4-BE49-F238E27FC236}">
-                <a16:creationId xmlns:a16="http://schemas.microsoft.com/office/drawing/2014/main" id="{C7BD13C3-E2A0-85D4-4384-4F6023DFB433}"/>
+                <a16:creationId xmlns:a16="http://schemas.microsoft.com/office/drawing/2014/main" id="{8C0C7D60-EC09-64D2-EB78-2DF0B004C862}"/>
               </a:ext>
             </a:extLst>
           </p:cNvPr>
@@ -1131,7 +1131,7 @@
           <a:bodyPr/>
           <a:lstStyle/>
           <a:p>
-            <a:fld id="{97F78749-E85A-4221-9327-1B541F790470}" type="datetimeFigureOut">
+            <a:fld id="{B09426A2-3294-445E-B40B-9E708C39EEA0}" type="datetimeFigureOut">
               <a:rPr lang="zh-CN" altLang="en-US" smtClean="0"/>
               <a:t>2024/3/10</a:t>
             </a:fld>
@@ -1144,7 +1144,7 @@
           <p:cNvPr id="5" name="页脚占位符 4">
             <a:extLst>
               <a:ext uri="{FF2B5EF4-FFF2-40B4-BE49-F238E27FC236}">
-                <a16:creationId xmlns:a16="http://schemas.microsoft.com/office/drawing/2014/main" id="{E49D0715-E49A-75C8-CE7A-8B742A71A3C1}"/>
+                <a16:creationId xmlns:a16="http://schemas.microsoft.com/office/drawing/2014/main" id="{CCC98127-0020-8F4A-6048-D6364ABAE6FF}"/>
               </a:ext>
             </a:extLst>
           </p:cNvPr>
@@ -1169,7 +1169,7 @@
           <p:cNvPr id="6" name="灯片编号占位符 5">
             <a:extLst>
               <a:ext uri="{FF2B5EF4-FFF2-40B4-BE49-F238E27FC236}">
-                <a16:creationId xmlns:a16="http://schemas.microsoft.com/office/drawing/2014/main" id="{53CBFC06-1D9C-B886-5649-A205C7DE82C1}"/>
+                <a16:creationId xmlns:a16="http://schemas.microsoft.com/office/drawing/2014/main" id="{58066876-BDDF-F938-0D0E-EFA8382ACCD9}"/>
               </a:ext>
             </a:extLst>
           </p:cNvPr>
@@ -1185,7 +1185,7 @@
           <a:bodyPr/>
           <a:lstStyle/>
           <a:p>
-            <a:fld id="{30DA0C32-29EA-44DC-A30B-E1117A06A9E2}" type="slidenum">
+            <a:fld id="{AF60A71A-EF65-40BB-BEE8-FD38D41B1FA8}" type="slidenum">
               <a:rPr lang="zh-CN" altLang="en-US" smtClean="0"/>
               <a:t>‹#›</a:t>
             </a:fld>
@@ -1196,7 +1196,7 @@
     </p:spTree>
     <p:extLst>
       <p:ext uri="{BB962C8B-B14F-4D97-AF65-F5344CB8AC3E}">
-        <p14:creationId xmlns:p14="http://schemas.microsoft.com/office/powerpoint/2010/main" val="1140121420"/>
+        <p14:creationId xmlns:p14="http://schemas.microsoft.com/office/powerpoint/2010/main" val="578617922"/>
       </p:ext>
     </p:extLst>
   </p:cSld>
@@ -1228,7 +1228,7 @@
           <p:cNvPr id="2" name="标题 1">
             <a:extLst>
               <a:ext uri="{FF2B5EF4-FFF2-40B4-BE49-F238E27FC236}">
-                <a16:creationId xmlns:a16="http://schemas.microsoft.com/office/drawing/2014/main" id="{33FFBBE0-1993-2353-75CA-D6C966FB8AE3}"/>
+                <a16:creationId xmlns:a16="http://schemas.microsoft.com/office/drawing/2014/main" id="{F52CD8A4-9F54-F2B0-40F2-13CCAAF5FA40}"/>
               </a:ext>
             </a:extLst>
           </p:cNvPr>
@@ -1256,7 +1256,7 @@
           <p:cNvPr id="3" name="内容占位符 2">
             <a:extLst>
               <a:ext uri="{FF2B5EF4-FFF2-40B4-BE49-F238E27FC236}">
-                <a16:creationId xmlns:a16="http://schemas.microsoft.com/office/drawing/2014/main" id="{17469DFC-69FA-E01F-E088-33144FE52FE2}"/>
+                <a16:creationId xmlns:a16="http://schemas.microsoft.com/office/drawing/2014/main" id="{6B9E7837-2CE6-1CCD-AE99-60F03A355BA4}"/>
               </a:ext>
             </a:extLst>
           </p:cNvPr>
@@ -1318,7 +1318,7 @@
           <p:cNvPr id="4" name="内容占位符 3">
             <a:extLst>
               <a:ext uri="{FF2B5EF4-FFF2-40B4-BE49-F238E27FC236}">
-                <a16:creationId xmlns:a16="http://schemas.microsoft.com/office/drawing/2014/main" id="{D9F30418-66A5-2EF7-356A-8B70652BBD3C}"/>
+                <a16:creationId xmlns:a16="http://schemas.microsoft.com/office/drawing/2014/main" id="{A4FD3AE8-C1DF-1382-1602-7A21C8D383EB}"/>
               </a:ext>
             </a:extLst>
           </p:cNvPr>
@@ -1380,7 +1380,7 @@
           <p:cNvPr id="5" name="日期占位符 4">
             <a:extLst>
               <a:ext uri="{FF2B5EF4-FFF2-40B4-BE49-F238E27FC236}">
-                <a16:creationId xmlns:a16="http://schemas.microsoft.com/office/drawing/2014/main" id="{38F819B4-3B1D-3E73-AD24-D00038357F61}"/>
+                <a16:creationId xmlns:a16="http://schemas.microsoft.com/office/drawing/2014/main" id="{285E6C46-2F3A-E8FA-292E-B5C58563E7A1}"/>
               </a:ext>
             </a:extLst>
           </p:cNvPr>
@@ -1396,7 +1396,7 @@
           <a:bodyPr/>
           <a:lstStyle/>
           <a:p>
-            <a:fld id="{97F78749-E85A-4221-9327-1B541F790470}" type="datetimeFigureOut">
+            <a:fld id="{B09426A2-3294-445E-B40B-9E708C39EEA0}" type="datetimeFigureOut">
               <a:rPr lang="zh-CN" altLang="en-US" smtClean="0"/>
               <a:t>2024/3/10</a:t>
             </a:fld>
@@ -1409,7 +1409,7 @@
           <p:cNvPr id="6" name="页脚占位符 5">
             <a:extLst>
               <a:ext uri="{FF2B5EF4-FFF2-40B4-BE49-F238E27FC236}">
-                <a16:creationId xmlns:a16="http://schemas.microsoft.com/office/drawing/2014/main" id="{11D48E69-5143-44B3-D5AC-21892EFB5C94}"/>
+                <a16:creationId xmlns:a16="http://schemas.microsoft.com/office/drawing/2014/main" id="{366510B3-D84E-0220-8B3F-779CA97B1F08}"/>
               </a:ext>
             </a:extLst>
           </p:cNvPr>
@@ -1434,7 +1434,7 @@
           <p:cNvPr id="7" name="灯片编号占位符 6">
             <a:extLst>
               <a:ext uri="{FF2B5EF4-FFF2-40B4-BE49-F238E27FC236}">
-                <a16:creationId xmlns:a16="http://schemas.microsoft.com/office/drawing/2014/main" id="{DD4B97B4-5D15-4CD3-925D-E9EF29839D30}"/>
+                <a16:creationId xmlns:a16="http://schemas.microsoft.com/office/drawing/2014/main" id="{F8E65D18-DC6E-E832-F2F3-4B1676D3FE09}"/>
               </a:ext>
             </a:extLst>
           </p:cNvPr>
@@ -1450,7 +1450,7 @@
           <a:bodyPr/>
           <a:lstStyle/>
           <a:p>
-            <a:fld id="{30DA0C32-29EA-44DC-A30B-E1117A06A9E2}" type="slidenum">
+            <a:fld id="{AF60A71A-EF65-40BB-BEE8-FD38D41B1FA8}" type="slidenum">
               <a:rPr lang="zh-CN" altLang="en-US" smtClean="0"/>
               <a:t>‹#›</a:t>
             </a:fld>
@@ -1461,7 +1461,7 @@
     </p:spTree>
     <p:extLst>
       <p:ext uri="{BB962C8B-B14F-4D97-AF65-F5344CB8AC3E}">
-        <p14:creationId xmlns:p14="http://schemas.microsoft.com/office/powerpoint/2010/main" val="2992603516"/>
+        <p14:creationId xmlns:p14="http://schemas.microsoft.com/office/powerpoint/2010/main" val="483821813"/>
       </p:ext>
     </p:extLst>
   </p:cSld>
@@ -1493,7 +1493,7 @@
           <p:cNvPr id="2" name="标题 1">
             <a:extLst>
               <a:ext uri="{FF2B5EF4-FFF2-40B4-BE49-F238E27FC236}">
-                <a16:creationId xmlns:a16="http://schemas.microsoft.com/office/drawing/2014/main" id="{AAA63820-364E-5CAC-AC48-5F37C9C136C8}"/>
+                <a16:creationId xmlns:a16="http://schemas.microsoft.com/office/drawing/2014/main" id="{2523D025-E88F-9B3B-A602-11F60A1BE271}"/>
               </a:ext>
             </a:extLst>
           </p:cNvPr>
@@ -1526,7 +1526,7 @@
           <p:cNvPr id="3" name="文本占位符 2">
             <a:extLst>
               <a:ext uri="{FF2B5EF4-FFF2-40B4-BE49-F238E27FC236}">
-                <a16:creationId xmlns:a16="http://schemas.microsoft.com/office/drawing/2014/main" id="{9205B75E-395F-46E4-6D0B-1252A9DD77F8}"/>
+                <a16:creationId xmlns:a16="http://schemas.microsoft.com/office/drawing/2014/main" id="{819FD805-1437-09C9-1523-265080F83A6A}"/>
               </a:ext>
             </a:extLst>
           </p:cNvPr>
@@ -1597,7 +1597,7 @@
           <p:cNvPr id="4" name="内容占位符 3">
             <a:extLst>
               <a:ext uri="{FF2B5EF4-FFF2-40B4-BE49-F238E27FC236}">
-                <a16:creationId xmlns:a16="http://schemas.microsoft.com/office/drawing/2014/main" id="{B201AE91-6102-FF77-6293-0AD81716C1D2}"/>
+                <a16:creationId xmlns:a16="http://schemas.microsoft.com/office/drawing/2014/main" id="{8E215658-6582-1B0D-AB99-C0757D4D78F9}"/>
               </a:ext>
             </a:extLst>
           </p:cNvPr>
@@ -1659,7 +1659,7 @@
           <p:cNvPr id="5" name="文本占位符 4">
             <a:extLst>
               <a:ext uri="{FF2B5EF4-FFF2-40B4-BE49-F238E27FC236}">
-                <a16:creationId xmlns:a16="http://schemas.microsoft.com/office/drawing/2014/main" id="{22D9ACF1-8353-C6C8-5842-1C6519D1E882}"/>
+                <a16:creationId xmlns:a16="http://schemas.microsoft.com/office/drawing/2014/main" id="{4DCB7A52-0354-BD64-5AD5-E3A902340989}"/>
               </a:ext>
             </a:extLst>
           </p:cNvPr>
@@ -1730,7 +1730,7 @@
           <p:cNvPr id="6" name="内容占位符 5">
             <a:extLst>
               <a:ext uri="{FF2B5EF4-FFF2-40B4-BE49-F238E27FC236}">
-                <a16:creationId xmlns:a16="http://schemas.microsoft.com/office/drawing/2014/main" id="{29A78036-FAC7-362A-9CCA-B8DBA218E678}"/>
+                <a16:creationId xmlns:a16="http://schemas.microsoft.com/office/drawing/2014/main" id="{910BB17C-63F6-7E6C-23F8-EA31A5D11294}"/>
               </a:ext>
             </a:extLst>
           </p:cNvPr>
@@ -1792,7 +1792,7 @@
           <p:cNvPr id="7" name="日期占位符 6">
             <a:extLst>
               <a:ext uri="{FF2B5EF4-FFF2-40B4-BE49-F238E27FC236}">
-                <a16:creationId xmlns:a16="http://schemas.microsoft.com/office/drawing/2014/main" id="{E5DDCB31-EB5F-6114-31BC-C71DACE5FA58}"/>
+                <a16:creationId xmlns:a16="http://schemas.microsoft.com/office/drawing/2014/main" id="{CAE8F353-1424-8FEC-E1E7-1323A2313CE7}"/>
               </a:ext>
             </a:extLst>
           </p:cNvPr>
@@ -1808,7 +1808,7 @@
           <a:bodyPr/>
           <a:lstStyle/>
           <a:p>
-            <a:fld id="{97F78749-E85A-4221-9327-1B541F790470}" type="datetimeFigureOut">
+            <a:fld id="{B09426A2-3294-445E-B40B-9E708C39EEA0}" type="datetimeFigureOut">
               <a:rPr lang="zh-CN" altLang="en-US" smtClean="0"/>
               <a:t>2024/3/10</a:t>
             </a:fld>
@@ -1821,7 +1821,7 @@
           <p:cNvPr id="8" name="页脚占位符 7">
             <a:extLst>
               <a:ext uri="{FF2B5EF4-FFF2-40B4-BE49-F238E27FC236}">
-                <a16:creationId xmlns:a16="http://schemas.microsoft.com/office/drawing/2014/main" id="{91254FCD-D3F8-E804-2060-46C4D484E64F}"/>
+                <a16:creationId xmlns:a16="http://schemas.microsoft.com/office/drawing/2014/main" id="{221FA9AE-9F01-435C-E5C1-2DD2A533AFCC}"/>
               </a:ext>
             </a:extLst>
           </p:cNvPr>
@@ -1846,7 +1846,7 @@
           <p:cNvPr id="9" name="灯片编号占位符 8">
             <a:extLst>
               <a:ext uri="{FF2B5EF4-FFF2-40B4-BE49-F238E27FC236}">
-                <a16:creationId xmlns:a16="http://schemas.microsoft.com/office/drawing/2014/main" id="{FFC712D4-2FB1-78B9-ECD4-0CED4381F2C7}"/>
+                <a16:creationId xmlns:a16="http://schemas.microsoft.com/office/drawing/2014/main" id="{189939ED-895C-7895-EE39-D80BD451AC41}"/>
               </a:ext>
             </a:extLst>
           </p:cNvPr>
@@ -1862,7 +1862,7 @@
           <a:bodyPr/>
           <a:lstStyle/>
           <a:p>
-            <a:fld id="{30DA0C32-29EA-44DC-A30B-E1117A06A9E2}" type="slidenum">
+            <a:fld id="{AF60A71A-EF65-40BB-BEE8-FD38D41B1FA8}" type="slidenum">
               <a:rPr lang="zh-CN" altLang="en-US" smtClean="0"/>
               <a:t>‹#›</a:t>
             </a:fld>
@@ -1873,7 +1873,7 @@
     </p:spTree>
     <p:extLst>
       <p:ext uri="{BB962C8B-B14F-4D97-AF65-F5344CB8AC3E}">
-        <p14:creationId xmlns:p14="http://schemas.microsoft.com/office/powerpoint/2010/main" val="1109825620"/>
+        <p14:creationId xmlns:p14="http://schemas.microsoft.com/office/powerpoint/2010/main" val="964840725"/>
       </p:ext>
     </p:extLst>
   </p:cSld>
@@ -1905,7 +1905,7 @@
           <p:cNvPr id="2" name="标题 1">
             <a:extLst>
               <a:ext uri="{FF2B5EF4-FFF2-40B4-BE49-F238E27FC236}">
-                <a16:creationId xmlns:a16="http://schemas.microsoft.com/office/drawing/2014/main" id="{08DC9619-CB5F-64A4-AE42-54EF813B375D}"/>
+                <a16:creationId xmlns:a16="http://schemas.microsoft.com/office/drawing/2014/main" id="{3CC70428-9802-83F3-814B-EA9E861154B6}"/>
               </a:ext>
             </a:extLst>
           </p:cNvPr>
@@ -1933,7 +1933,7 @@
           <p:cNvPr id="3" name="日期占位符 2">
             <a:extLst>
               <a:ext uri="{FF2B5EF4-FFF2-40B4-BE49-F238E27FC236}">
-                <a16:creationId xmlns:a16="http://schemas.microsoft.com/office/drawing/2014/main" id="{569C7196-9DAE-7B35-0F27-941C68A8A3C6}"/>
+                <a16:creationId xmlns:a16="http://schemas.microsoft.com/office/drawing/2014/main" id="{913F5A8C-64FE-E041-9CBF-19DAB57351C2}"/>
               </a:ext>
             </a:extLst>
           </p:cNvPr>
@@ -1949,7 +1949,7 @@
           <a:bodyPr/>
           <a:lstStyle/>
           <a:p>
-            <a:fld id="{97F78749-E85A-4221-9327-1B541F790470}" type="datetimeFigureOut">
+            <a:fld id="{B09426A2-3294-445E-B40B-9E708C39EEA0}" type="datetimeFigureOut">
               <a:rPr lang="zh-CN" altLang="en-US" smtClean="0"/>
               <a:t>2024/3/10</a:t>
             </a:fld>
@@ -1962,7 +1962,7 @@
           <p:cNvPr id="4" name="页脚占位符 3">
             <a:extLst>
               <a:ext uri="{FF2B5EF4-FFF2-40B4-BE49-F238E27FC236}">
-                <a16:creationId xmlns:a16="http://schemas.microsoft.com/office/drawing/2014/main" id="{2B71B8DF-A68A-CA0D-3070-1A52D7652940}"/>
+                <a16:creationId xmlns:a16="http://schemas.microsoft.com/office/drawing/2014/main" id="{9DCCB666-9235-FF92-293C-4744743881FE}"/>
               </a:ext>
             </a:extLst>
           </p:cNvPr>
@@ -1987,7 +1987,7 @@
           <p:cNvPr id="5" name="灯片编号占位符 4">
             <a:extLst>
               <a:ext uri="{FF2B5EF4-FFF2-40B4-BE49-F238E27FC236}">
-                <a16:creationId xmlns:a16="http://schemas.microsoft.com/office/drawing/2014/main" id="{826568D2-E282-86A1-166B-98A8D153419F}"/>
+                <a16:creationId xmlns:a16="http://schemas.microsoft.com/office/drawing/2014/main" id="{DCED0D8A-31D9-7A3A-266B-2E7FED848DF4}"/>
               </a:ext>
             </a:extLst>
           </p:cNvPr>
@@ -2003,7 +2003,7 @@
           <a:bodyPr/>
           <a:lstStyle/>
           <a:p>
-            <a:fld id="{30DA0C32-29EA-44DC-A30B-E1117A06A9E2}" type="slidenum">
+            <a:fld id="{AF60A71A-EF65-40BB-BEE8-FD38D41B1FA8}" type="slidenum">
               <a:rPr lang="zh-CN" altLang="en-US" smtClean="0"/>
               <a:t>‹#›</a:t>
             </a:fld>
@@ -2014,7 +2014,7 @@
     </p:spTree>
     <p:extLst>
       <p:ext uri="{BB962C8B-B14F-4D97-AF65-F5344CB8AC3E}">
-        <p14:creationId xmlns:p14="http://schemas.microsoft.com/office/powerpoint/2010/main" val="356901132"/>
+        <p14:creationId xmlns:p14="http://schemas.microsoft.com/office/powerpoint/2010/main" val="2181094108"/>
       </p:ext>
     </p:extLst>
   </p:cSld>
@@ -2046,7 +2046,7 @@
           <p:cNvPr id="2" name="日期占位符 1">
             <a:extLst>
               <a:ext uri="{FF2B5EF4-FFF2-40B4-BE49-F238E27FC236}">
-                <a16:creationId xmlns:a16="http://schemas.microsoft.com/office/drawing/2014/main" id="{1C5A7FCB-AD25-E41E-EAA1-C39FB5AC0F1A}"/>
+                <a16:creationId xmlns:a16="http://schemas.microsoft.com/office/drawing/2014/main" id="{D211B6FF-5840-16DE-DA4B-D7005E63CA91}"/>
               </a:ext>
             </a:extLst>
           </p:cNvPr>
@@ -2062,7 +2062,7 @@
           <a:bodyPr/>
           <a:lstStyle/>
           <a:p>
-            <a:fld id="{97F78749-E85A-4221-9327-1B541F790470}" type="datetimeFigureOut">
+            <a:fld id="{B09426A2-3294-445E-B40B-9E708C39EEA0}" type="datetimeFigureOut">
               <a:rPr lang="zh-CN" altLang="en-US" smtClean="0"/>
               <a:t>2024/3/10</a:t>
             </a:fld>
@@ -2075,7 +2075,7 @@
           <p:cNvPr id="3" name="页脚占位符 2">
             <a:extLst>
               <a:ext uri="{FF2B5EF4-FFF2-40B4-BE49-F238E27FC236}">
-                <a16:creationId xmlns:a16="http://schemas.microsoft.com/office/drawing/2014/main" id="{C3EEA731-3324-F4DD-6C62-A3D89BEAFE8D}"/>
+                <a16:creationId xmlns:a16="http://schemas.microsoft.com/office/drawing/2014/main" id="{7BF7BBF6-6519-5B2F-49C6-E75DB04068B4}"/>
               </a:ext>
             </a:extLst>
           </p:cNvPr>
@@ -2100,7 +2100,7 @@
           <p:cNvPr id="4" name="灯片编号占位符 3">
             <a:extLst>
               <a:ext uri="{FF2B5EF4-FFF2-40B4-BE49-F238E27FC236}">
-                <a16:creationId xmlns:a16="http://schemas.microsoft.com/office/drawing/2014/main" id="{35181ECD-E175-AD88-B6AF-AF09C4A47969}"/>
+                <a16:creationId xmlns:a16="http://schemas.microsoft.com/office/drawing/2014/main" id="{2FA2AB1C-CE5E-E13C-8963-CDFB45FCD015}"/>
               </a:ext>
             </a:extLst>
           </p:cNvPr>
@@ -2116,7 +2116,7 @@
           <a:bodyPr/>
           <a:lstStyle/>
           <a:p>
-            <a:fld id="{30DA0C32-29EA-44DC-A30B-E1117A06A9E2}" type="slidenum">
+            <a:fld id="{AF60A71A-EF65-40BB-BEE8-FD38D41B1FA8}" type="slidenum">
               <a:rPr lang="zh-CN" altLang="en-US" smtClean="0"/>
               <a:t>‹#›</a:t>
             </a:fld>
@@ -2127,7 +2127,7 @@
     </p:spTree>
     <p:extLst>
       <p:ext uri="{BB962C8B-B14F-4D97-AF65-F5344CB8AC3E}">
-        <p14:creationId xmlns:p14="http://schemas.microsoft.com/office/powerpoint/2010/main" val="2075096308"/>
+        <p14:creationId xmlns:p14="http://schemas.microsoft.com/office/powerpoint/2010/main" val="3880893648"/>
       </p:ext>
     </p:extLst>
   </p:cSld>
@@ -2159,7 +2159,7 @@
           <p:cNvPr id="2" name="标题 1">
             <a:extLst>
               <a:ext uri="{FF2B5EF4-FFF2-40B4-BE49-F238E27FC236}">
-                <a16:creationId xmlns:a16="http://schemas.microsoft.com/office/drawing/2014/main" id="{3A392AFF-B74A-8EA1-DBC2-38977500D661}"/>
+                <a16:creationId xmlns:a16="http://schemas.microsoft.com/office/drawing/2014/main" id="{4F979C02-5380-AC24-14DD-2D58E87D3A15}"/>
               </a:ext>
             </a:extLst>
           </p:cNvPr>
@@ -2196,7 +2196,7 @@
           <p:cNvPr id="3" name="内容占位符 2">
             <a:extLst>
               <a:ext uri="{FF2B5EF4-FFF2-40B4-BE49-F238E27FC236}">
-                <a16:creationId xmlns:a16="http://schemas.microsoft.com/office/drawing/2014/main" id="{E5BC5EBC-B94B-3953-6F0D-8528F85EDEEE}"/>
+                <a16:creationId xmlns:a16="http://schemas.microsoft.com/office/drawing/2014/main" id="{B44279FA-0B2E-7C33-6C3A-E6424DB22CB4}"/>
               </a:ext>
             </a:extLst>
           </p:cNvPr>
@@ -2286,7 +2286,7 @@
           <p:cNvPr id="4" name="文本占位符 3">
             <a:extLst>
               <a:ext uri="{FF2B5EF4-FFF2-40B4-BE49-F238E27FC236}">
-                <a16:creationId xmlns:a16="http://schemas.microsoft.com/office/drawing/2014/main" id="{813F7A20-8916-A159-CFB9-975AEC816D31}"/>
+                <a16:creationId xmlns:a16="http://schemas.microsoft.com/office/drawing/2014/main" id="{22BBBEEE-9BBE-8DF8-95D1-C2E601C9851C}"/>
               </a:ext>
             </a:extLst>
           </p:cNvPr>
@@ -2357,7 +2357,7 @@
           <p:cNvPr id="5" name="日期占位符 4">
             <a:extLst>
               <a:ext uri="{FF2B5EF4-FFF2-40B4-BE49-F238E27FC236}">
-                <a16:creationId xmlns:a16="http://schemas.microsoft.com/office/drawing/2014/main" id="{6F406B88-CE06-AE82-D98B-0D5DD2096F5D}"/>
+                <a16:creationId xmlns:a16="http://schemas.microsoft.com/office/drawing/2014/main" id="{F2DD2D4B-3043-A6B2-AAFA-33FF190E545E}"/>
               </a:ext>
             </a:extLst>
           </p:cNvPr>
@@ -2373,7 +2373,7 @@
           <a:bodyPr/>
           <a:lstStyle/>
           <a:p>
-            <a:fld id="{97F78749-E85A-4221-9327-1B541F790470}" type="datetimeFigureOut">
+            <a:fld id="{B09426A2-3294-445E-B40B-9E708C39EEA0}" type="datetimeFigureOut">
               <a:rPr lang="zh-CN" altLang="en-US" smtClean="0"/>
               <a:t>2024/3/10</a:t>
             </a:fld>
@@ -2386,7 +2386,7 @@
           <p:cNvPr id="6" name="页脚占位符 5">
             <a:extLst>
               <a:ext uri="{FF2B5EF4-FFF2-40B4-BE49-F238E27FC236}">
-                <a16:creationId xmlns:a16="http://schemas.microsoft.com/office/drawing/2014/main" id="{F3634F9B-6928-C3D3-C0BD-82ADA10B2D41}"/>
+                <a16:creationId xmlns:a16="http://schemas.microsoft.com/office/drawing/2014/main" id="{266617EE-7E4C-E285-7E25-2301AC067E12}"/>
               </a:ext>
             </a:extLst>
           </p:cNvPr>
@@ -2411,7 +2411,7 @@
           <p:cNvPr id="7" name="灯片编号占位符 6">
             <a:extLst>
               <a:ext uri="{FF2B5EF4-FFF2-40B4-BE49-F238E27FC236}">
-                <a16:creationId xmlns:a16="http://schemas.microsoft.com/office/drawing/2014/main" id="{93DAE598-0FF0-608C-7859-87C936DDDD67}"/>
+                <a16:creationId xmlns:a16="http://schemas.microsoft.com/office/drawing/2014/main" id="{D1C5E998-01BA-B806-B810-C73EFAF660FF}"/>
               </a:ext>
             </a:extLst>
           </p:cNvPr>
@@ -2427,7 +2427,7 @@
           <a:bodyPr/>
           <a:lstStyle/>
           <a:p>
-            <a:fld id="{30DA0C32-29EA-44DC-A30B-E1117A06A9E2}" type="slidenum">
+            <a:fld id="{AF60A71A-EF65-40BB-BEE8-FD38D41B1FA8}" type="slidenum">
               <a:rPr lang="zh-CN" altLang="en-US" smtClean="0"/>
               <a:t>‹#›</a:t>
             </a:fld>
@@ -2438,7 +2438,7 @@
     </p:spTree>
     <p:extLst>
       <p:ext uri="{BB962C8B-B14F-4D97-AF65-F5344CB8AC3E}">
-        <p14:creationId xmlns:p14="http://schemas.microsoft.com/office/powerpoint/2010/main" val="982977469"/>
+        <p14:creationId xmlns:p14="http://schemas.microsoft.com/office/powerpoint/2010/main" val="2987003552"/>
       </p:ext>
     </p:extLst>
   </p:cSld>
@@ -2470,7 +2470,7 @@
           <p:cNvPr id="2" name="标题 1">
             <a:extLst>
               <a:ext uri="{FF2B5EF4-FFF2-40B4-BE49-F238E27FC236}">
-                <a16:creationId xmlns:a16="http://schemas.microsoft.com/office/drawing/2014/main" id="{20ABCB47-EEEC-BAD9-3B19-B3814F79CEF1}"/>
+                <a16:creationId xmlns:a16="http://schemas.microsoft.com/office/drawing/2014/main" id="{D4D4836F-728D-B698-0E91-1DC54A26241C}"/>
               </a:ext>
             </a:extLst>
           </p:cNvPr>
@@ -2507,7 +2507,7 @@
           <p:cNvPr id="3" name="图片占位符 2">
             <a:extLst>
               <a:ext uri="{FF2B5EF4-FFF2-40B4-BE49-F238E27FC236}">
-                <a16:creationId xmlns:a16="http://schemas.microsoft.com/office/drawing/2014/main" id="{86F36D41-139C-8D71-BE23-673E4ED47D1F}"/>
+                <a16:creationId xmlns:a16="http://schemas.microsoft.com/office/drawing/2014/main" id="{7FBD1AA5-157E-DC09-9A7A-87F2EFC143B7}"/>
               </a:ext>
             </a:extLst>
           </p:cNvPr>
@@ -2574,7 +2574,7 @@
           <p:cNvPr id="4" name="文本占位符 3">
             <a:extLst>
               <a:ext uri="{FF2B5EF4-FFF2-40B4-BE49-F238E27FC236}">
-                <a16:creationId xmlns:a16="http://schemas.microsoft.com/office/drawing/2014/main" id="{C9AAA39D-E8B4-4020-12D7-9F1B44CD4B7E}"/>
+                <a16:creationId xmlns:a16="http://schemas.microsoft.com/office/drawing/2014/main" id="{4CD6DD2E-163D-0859-ED87-1D44D95F3368}"/>
               </a:ext>
             </a:extLst>
           </p:cNvPr>
@@ -2645,7 +2645,7 @@
           <p:cNvPr id="5" name="日期占位符 4">
             <a:extLst>
               <a:ext uri="{FF2B5EF4-FFF2-40B4-BE49-F238E27FC236}">
-                <a16:creationId xmlns:a16="http://schemas.microsoft.com/office/drawing/2014/main" id="{BE5E78E9-8172-1A26-98C2-CC3AF9D247B1}"/>
+                <a16:creationId xmlns:a16="http://schemas.microsoft.com/office/drawing/2014/main" id="{0517196F-2FAA-AA61-D758-3078579CB9E3}"/>
               </a:ext>
             </a:extLst>
           </p:cNvPr>
@@ -2661,7 +2661,7 @@
           <a:bodyPr/>
           <a:lstStyle/>
           <a:p>
-            <a:fld id="{97F78749-E85A-4221-9327-1B541F790470}" type="datetimeFigureOut">
+            <a:fld id="{B09426A2-3294-445E-B40B-9E708C39EEA0}" type="datetimeFigureOut">
               <a:rPr lang="zh-CN" altLang="en-US" smtClean="0"/>
               <a:t>2024/3/10</a:t>
             </a:fld>
@@ -2674,7 +2674,7 @@
           <p:cNvPr id="6" name="页脚占位符 5">
             <a:extLst>
               <a:ext uri="{FF2B5EF4-FFF2-40B4-BE49-F238E27FC236}">
-                <a16:creationId xmlns:a16="http://schemas.microsoft.com/office/drawing/2014/main" id="{6A1E7711-6454-F807-AEBF-08BB0590D686}"/>
+                <a16:creationId xmlns:a16="http://schemas.microsoft.com/office/drawing/2014/main" id="{50FBC3C6-07B4-D8FD-F2F2-25AE430EC7C3}"/>
               </a:ext>
             </a:extLst>
           </p:cNvPr>
@@ -2699,7 +2699,7 @@
           <p:cNvPr id="7" name="灯片编号占位符 6">
             <a:extLst>
               <a:ext uri="{FF2B5EF4-FFF2-40B4-BE49-F238E27FC236}">
-                <a16:creationId xmlns:a16="http://schemas.microsoft.com/office/drawing/2014/main" id="{40E91FC8-8C06-D86E-7616-19D5018A2FB6}"/>
+                <a16:creationId xmlns:a16="http://schemas.microsoft.com/office/drawing/2014/main" id="{0A28B3D4-F276-EE8C-29B8-2A1E02CE333A}"/>
               </a:ext>
             </a:extLst>
           </p:cNvPr>
@@ -2715,7 +2715,7 @@
           <a:bodyPr/>
           <a:lstStyle/>
           <a:p>
-            <a:fld id="{30DA0C32-29EA-44DC-A30B-E1117A06A9E2}" type="slidenum">
+            <a:fld id="{AF60A71A-EF65-40BB-BEE8-FD38D41B1FA8}" type="slidenum">
               <a:rPr lang="zh-CN" altLang="en-US" smtClean="0"/>
               <a:t>‹#›</a:t>
             </a:fld>
@@ -2726,7 +2726,7 @@
     </p:spTree>
     <p:extLst>
       <p:ext uri="{BB962C8B-B14F-4D97-AF65-F5344CB8AC3E}">
-        <p14:creationId xmlns:p14="http://schemas.microsoft.com/office/powerpoint/2010/main" val="4009045969"/>
+        <p14:creationId xmlns:p14="http://schemas.microsoft.com/office/powerpoint/2010/main" val="1408109940"/>
       </p:ext>
     </p:extLst>
   </p:cSld>
@@ -2763,7 +2763,7 @@
           <p:cNvPr id="2" name="标题占位符 1">
             <a:extLst>
               <a:ext uri="{FF2B5EF4-FFF2-40B4-BE49-F238E27FC236}">
-                <a16:creationId xmlns:a16="http://schemas.microsoft.com/office/drawing/2014/main" id="{03219FF6-DBDB-18C8-BB0A-9F02779A0A79}"/>
+                <a16:creationId xmlns:a16="http://schemas.microsoft.com/office/drawing/2014/main" id="{C2E022DC-30A6-8758-DCC9-5CDBA8474D5A}"/>
               </a:ext>
             </a:extLst>
           </p:cNvPr>
@@ -2801,7 +2801,7 @@
           <p:cNvPr id="3" name="文本占位符 2">
             <a:extLst>
               <a:ext uri="{FF2B5EF4-FFF2-40B4-BE49-F238E27FC236}">
-                <a16:creationId xmlns:a16="http://schemas.microsoft.com/office/drawing/2014/main" id="{2E87C36D-3441-1F99-8CC0-803F41207262}"/>
+                <a16:creationId xmlns:a16="http://schemas.microsoft.com/office/drawing/2014/main" id="{912517ED-EA79-E167-A16B-53553935E286}"/>
               </a:ext>
             </a:extLst>
           </p:cNvPr>
@@ -2868,7 +2868,7 @@
           <p:cNvPr id="4" name="日期占位符 3">
             <a:extLst>
               <a:ext uri="{FF2B5EF4-FFF2-40B4-BE49-F238E27FC236}">
-                <a16:creationId xmlns:a16="http://schemas.microsoft.com/office/drawing/2014/main" id="{D11E587B-197B-1896-D7B7-4946F3F2774D}"/>
+                <a16:creationId xmlns:a16="http://schemas.microsoft.com/office/drawing/2014/main" id="{D6351CBC-CD0E-DA41-5FA7-64D98BA2221F}"/>
               </a:ext>
             </a:extLst>
           </p:cNvPr>
@@ -2902,7 +2902,7 @@
             </a:lvl1pPr>
           </a:lstStyle>
           <a:p>
-            <a:fld id="{97F78749-E85A-4221-9327-1B541F790470}" type="datetimeFigureOut">
+            <a:fld id="{B09426A2-3294-445E-B40B-9E708C39EEA0}" type="datetimeFigureOut">
               <a:rPr lang="zh-CN" altLang="en-US" smtClean="0"/>
               <a:t>2024/3/10</a:t>
             </a:fld>
@@ -2915,7 +2915,7 @@
           <p:cNvPr id="5" name="页脚占位符 4">
             <a:extLst>
               <a:ext uri="{FF2B5EF4-FFF2-40B4-BE49-F238E27FC236}">
-                <a16:creationId xmlns:a16="http://schemas.microsoft.com/office/drawing/2014/main" id="{B127233F-F736-00FE-E809-4B0673250888}"/>
+                <a16:creationId xmlns:a16="http://schemas.microsoft.com/office/drawing/2014/main" id="{AE5454C7-F4B9-9D0A-22DD-807A9BB74FCB}"/>
               </a:ext>
             </a:extLst>
           </p:cNvPr>
@@ -2958,7 +2958,7 @@
           <p:cNvPr id="6" name="灯片编号占位符 5">
             <a:extLst>
               <a:ext uri="{FF2B5EF4-FFF2-40B4-BE49-F238E27FC236}">
-                <a16:creationId xmlns:a16="http://schemas.microsoft.com/office/drawing/2014/main" id="{E4D6C7D4-980F-3D16-507E-CAACA28BA9D2}"/>
+                <a16:creationId xmlns:a16="http://schemas.microsoft.com/office/drawing/2014/main" id="{5547AA02-7AFC-271A-7DE5-AEAD997132E1}"/>
               </a:ext>
             </a:extLst>
           </p:cNvPr>
@@ -2992,7 +2992,7 @@
             </a:lvl1pPr>
           </a:lstStyle>
           <a:p>
-            <a:fld id="{30DA0C32-29EA-44DC-A30B-E1117A06A9E2}" type="slidenum">
+            <a:fld id="{AF60A71A-EF65-40BB-BEE8-FD38D41B1FA8}" type="slidenum">
               <a:rPr lang="zh-CN" altLang="en-US" smtClean="0"/>
               <a:t>‹#›</a:t>
             </a:fld>
@@ -3003,7 +3003,7 @@
     </p:spTree>
     <p:extLst>
       <p:ext uri="{BB962C8B-B14F-4D97-AF65-F5344CB8AC3E}">
-        <p14:creationId xmlns:p14="http://schemas.microsoft.com/office/powerpoint/2010/main" val="1441738631"/>
+        <p14:creationId xmlns:p14="http://schemas.microsoft.com/office/powerpoint/2010/main" val="1303296669"/>
       </p:ext>
     </p:extLst>
   </p:cSld>
@@ -3323,7 +3323,7 @@
       </p:grpSpPr>
       <p:pic>
         <p:nvPicPr>
-          <p:cNvPr id="1349634" name="Picture 2" descr="1317"/>
+          <p:cNvPr id="1350658" name="Picture 2" descr="1318"/>
           <p:cNvPicPr>
             <a:picLocks noChangeAspect="1" noChangeArrowheads="1"/>
           </p:cNvPicPr>
@@ -3375,11 +3375,158 @@
           </a:extLst>
         </p:spPr>
       </p:pic>
+      <p:pic>
+        <p:nvPicPr>
+          <p:cNvPr id="1351683" name="Picture 3" descr="1318-2"/>
+          <p:cNvPicPr>
+            <a:picLocks noChangeAspect="1" noChangeArrowheads="1"/>
+          </p:cNvPicPr>
+          <p:nvPr/>
+        </p:nvPicPr>
+        <p:blipFill>
+          <a:blip r:embed="rId3">
+            <a:extLst>
+              <a:ext uri="{28A0092B-C50C-407E-A947-70E740481C1C}">
+                <a14:useLocalDpi xmlns:a14="http://schemas.microsoft.com/office/drawing/2010/main" val="0"/>
+              </a:ext>
+            </a:extLst>
+          </a:blip>
+          <a:srcRect/>
+          <a:stretch>
+            <a:fillRect/>
+          </a:stretch>
+        </p:blipFill>
+        <p:spPr bwMode="auto">
+          <a:xfrm>
+            <a:off x="1524000" y="0"/>
+            <a:ext cx="9144000" cy="6858000"/>
+          </a:xfrm>
+          <a:prstGeom prst="rect">
+            <a:avLst/>
+          </a:prstGeom>
+          <a:noFill/>
+          <a:ln>
+            <a:noFill/>
+          </a:ln>
+          <a:effectLst/>
+          <a:extLst>
+            <a:ext uri="{909E8E84-426E-40DD-AFC4-6F175D3DCCD1}">
+              <a14:hiddenFill xmlns:a14="http://schemas.microsoft.com/office/drawing/2010/main">
+                <a:solidFill>
+                  <a:srgbClr val="FFFFFF"/>
+                </a:solidFill>
+              </a14:hiddenFill>
+            </a:ext>
+            <a:ext uri="{91240B29-F687-4F45-9708-019B960494DF}">
+              <a14:hiddenLine xmlns:a14="http://schemas.microsoft.com/office/drawing/2010/main" w="9525">
+                <a:solidFill>
+                  <a:srgbClr val="000000"/>
+                </a:solidFill>
+                <a:miter lim="800000"/>
+                <a:headEnd/>
+                <a:tailEnd/>
+              </a14:hiddenLine>
+            </a:ext>
+            <a:ext uri="{AF507438-7753-43E0-B8FC-AC1667EBCBE1}">
+              <a14:hiddenEffects xmlns:a14="http://schemas.microsoft.com/office/drawing/2010/main">
+                <a:effectLst>
+                  <a:outerShdw dist="35921" dir="2700000" algn="ctr" rotWithShape="0">
+                    <a:srgbClr val="808080"/>
+                  </a:outerShdw>
+                </a:effectLst>
+              </a14:hiddenEffects>
+            </a:ext>
+          </a:extLst>
+        </p:spPr>
+      </p:pic>
     </p:spTree>
   </p:cSld>
   <p:clrMapOvr>
     <a:masterClrMapping/>
   </p:clrMapOvr>
+  <p:timing>
+    <p:tnLst>
+      <p:par>
+        <p:cTn id="1" dur="indefinite" restart="never" nodeType="tmRoot">
+          <p:childTnLst>
+            <p:seq concurrent="1" nextAc="seek">
+              <p:cTn id="2" dur="indefinite" nodeType="mainSeq">
+                <p:childTnLst>
+                  <p:par>
+                    <p:cTn id="3" fill="hold" nodeType="clickPar">
+                      <p:stCondLst>
+                        <p:cond delay="indefinite"/>
+                      </p:stCondLst>
+                      <p:childTnLst>
+                        <p:par>
+                          <p:cTn id="4" fill="hold" nodeType="withGroup">
+                            <p:stCondLst>
+                              <p:cond delay="0"/>
+                            </p:stCondLst>
+                            <p:childTnLst>
+                              <p:par>
+                                <p:cTn id="5" presetID="10" presetClass="entr" presetSubtype="0" fill="hold" nodeType="clickEffect">
+                                  <p:stCondLst>
+                                    <p:cond delay="0"/>
+                                  </p:stCondLst>
+                                  <p:childTnLst>
+                                    <p:set>
+                                      <p:cBhvr>
+                                        <p:cTn id="6" dur="1" fill="hold">
+                                          <p:stCondLst>
+                                            <p:cond delay="0"/>
+                                          </p:stCondLst>
+                                        </p:cTn>
+                                        <p:tgtEl>
+                                          <p:spTgt spid="1351683"/>
+                                        </p:tgtEl>
+                                        <p:attrNameLst>
+                                          <p:attrName>style.visibility</p:attrName>
+                                        </p:attrNameLst>
+                                      </p:cBhvr>
+                                      <p:to>
+                                        <p:strVal val="visible"/>
+                                      </p:to>
+                                    </p:set>
+                                    <p:animEffect transition="in" filter="fade">
+                                      <p:cBhvr>
+                                        <p:cTn id="7" dur="500"/>
+                                        <p:tgtEl>
+                                          <p:spTgt spid="1351683"/>
+                                        </p:tgtEl>
+                                      </p:cBhvr>
+                                    </p:animEffect>
+                                  </p:childTnLst>
+                                </p:cTn>
+                              </p:par>
+                            </p:childTnLst>
+                          </p:cTn>
+                        </p:par>
+                      </p:childTnLst>
+                    </p:cTn>
+                  </p:par>
+                </p:childTnLst>
+              </p:cTn>
+              <p:prevCondLst>
+                <p:cond evt="onPrev" delay="0">
+                  <p:tgtEl>
+                    <p:sldTgt/>
+                  </p:tgtEl>
+                </p:cond>
+              </p:prevCondLst>
+              <p:nextCondLst>
+                <p:cond evt="onNext" delay="0">
+                  <p:tgtEl>
+                    <p:sldTgt/>
+                  </p:tgtEl>
+                </p:cond>
+              </p:nextCondLst>
+            </p:seq>
+          </p:childTnLst>
+        </p:cTn>
+      </p:par>
+    </p:tnLst>
+  </p:timing>
 </p:sld>
 </file>
 
